--- a/documentation/Java training 12- Java.pptx
+++ b/documentation/Java training 12- Java.pptx
@@ -3113,7 +3113,7 @@
           <a:p>
             <a:pPr lvl="1"/>
             <a:r>
-              <a:rPr lang="hu-HU" smtClean="0"/>
+              <a:rPr lang="hu-HU" dirty="0" err="1" smtClean="0"/>
               <a:t>max</a:t>
             </a:r>
             <a:endParaRPr lang="hu-HU" dirty="0"/>
